--- a/docs/diagrams/SortSequenceDiagram.pptx
+++ b/docs/diagrams/SortSequenceDiagram.pptx
@@ -212,7 +212,7 @@
           <a:p>
             <a:fld id="{F5CC4B3F-88C1-4FFA-B1B6-F41C21DC6924}" type="datetimeFigureOut">
               <a:rPr lang="en-US" smtClean="0"/>
-              <a:t>10/28/2017</a:t>
+              <a:t>10/29/2017</a:t>
             </a:fld>
             <a:endParaRPr lang="en-US"/>
           </a:p>
@@ -658,7 +658,7 @@
           <a:p>
             <a:fld id="{78C97017-6FC3-485B-9764-EAC9E56C1D49}" type="datetimeFigureOut">
               <a:rPr lang="en-US" smtClean="0"/>
-              <a:t>10/28/2017</a:t>
+              <a:t>10/29/2017</a:t>
             </a:fld>
             <a:endParaRPr lang="en-US"/>
           </a:p>
@@ -826,7 +826,7 @@
           <a:p>
             <a:fld id="{78C97017-6FC3-485B-9764-EAC9E56C1D49}" type="datetimeFigureOut">
               <a:rPr lang="en-US" smtClean="0"/>
-              <a:t>10/28/2017</a:t>
+              <a:t>10/29/2017</a:t>
             </a:fld>
             <a:endParaRPr lang="en-US"/>
           </a:p>
@@ -1004,7 +1004,7 @@
           <a:p>
             <a:fld id="{78C97017-6FC3-485B-9764-EAC9E56C1D49}" type="datetimeFigureOut">
               <a:rPr lang="en-US" smtClean="0"/>
-              <a:t>10/28/2017</a:t>
+              <a:t>10/29/2017</a:t>
             </a:fld>
             <a:endParaRPr lang="en-US"/>
           </a:p>
@@ -1172,7 +1172,7 @@
           <a:p>
             <a:fld id="{78C97017-6FC3-485B-9764-EAC9E56C1D49}" type="datetimeFigureOut">
               <a:rPr lang="en-US" smtClean="0"/>
-              <a:t>10/28/2017</a:t>
+              <a:t>10/29/2017</a:t>
             </a:fld>
             <a:endParaRPr lang="en-US"/>
           </a:p>
@@ -1417,7 +1417,7 @@
           <a:p>
             <a:fld id="{78C97017-6FC3-485B-9764-EAC9E56C1D49}" type="datetimeFigureOut">
               <a:rPr lang="en-US" smtClean="0"/>
-              <a:t>10/28/2017</a:t>
+              <a:t>10/29/2017</a:t>
             </a:fld>
             <a:endParaRPr lang="en-US"/>
           </a:p>
@@ -1702,7 +1702,7 @@
           <a:p>
             <a:fld id="{78C97017-6FC3-485B-9764-EAC9E56C1D49}" type="datetimeFigureOut">
               <a:rPr lang="en-US" smtClean="0"/>
-              <a:t>10/28/2017</a:t>
+              <a:t>10/29/2017</a:t>
             </a:fld>
             <a:endParaRPr lang="en-US"/>
           </a:p>
@@ -2121,7 +2121,7 @@
           <a:p>
             <a:fld id="{78C97017-6FC3-485B-9764-EAC9E56C1D49}" type="datetimeFigureOut">
               <a:rPr lang="en-US" smtClean="0"/>
-              <a:t>10/28/2017</a:t>
+              <a:t>10/29/2017</a:t>
             </a:fld>
             <a:endParaRPr lang="en-US"/>
           </a:p>
@@ -2238,7 +2238,7 @@
           <a:p>
             <a:fld id="{78C97017-6FC3-485B-9764-EAC9E56C1D49}" type="datetimeFigureOut">
               <a:rPr lang="en-US" smtClean="0"/>
-              <a:t>10/28/2017</a:t>
+              <a:t>10/29/2017</a:t>
             </a:fld>
             <a:endParaRPr lang="en-US"/>
           </a:p>
@@ -2333,7 +2333,7 @@
           <a:p>
             <a:fld id="{78C97017-6FC3-485B-9764-EAC9E56C1D49}" type="datetimeFigureOut">
               <a:rPr lang="en-US" smtClean="0"/>
-              <a:t>10/28/2017</a:t>
+              <a:t>10/29/2017</a:t>
             </a:fld>
             <a:endParaRPr lang="en-US"/>
           </a:p>
@@ -2608,7 +2608,7 @@
           <a:p>
             <a:fld id="{78C97017-6FC3-485B-9764-EAC9E56C1D49}" type="datetimeFigureOut">
               <a:rPr lang="en-US" smtClean="0"/>
-              <a:t>10/28/2017</a:t>
+              <a:t>10/29/2017</a:t>
             </a:fld>
             <a:endParaRPr lang="en-US"/>
           </a:p>
@@ -2860,7 +2860,7 @@
           <a:p>
             <a:fld id="{78C97017-6FC3-485B-9764-EAC9E56C1D49}" type="datetimeFigureOut">
               <a:rPr lang="en-US" smtClean="0"/>
-              <a:t>10/28/2017</a:t>
+              <a:t>10/29/2017</a:t>
             </a:fld>
             <a:endParaRPr lang="en-US"/>
           </a:p>
@@ -3071,7 +3071,7 @@
           <a:p>
             <a:fld id="{78C97017-6FC3-485B-9764-EAC9E56C1D49}" type="datetimeFigureOut">
               <a:rPr lang="en-US" smtClean="0"/>
-              <a:t>10/28/2017</a:t>
+              <a:t>10/29/2017</a:t>
             </a:fld>
             <a:endParaRPr lang="en-US"/>
           </a:p>
@@ -3454,8 +3454,8 @@
         </p:nvSpPr>
         <p:spPr>
           <a:xfrm>
-            <a:off x="685800" y="1981200"/>
-            <a:ext cx="7010400" cy="3809998"/>
+            <a:off x="228600" y="1981200"/>
+            <a:ext cx="7467600" cy="3962400"/>
           </a:xfrm>
           <a:prstGeom prst="roundRect">
             <a:avLst>
